--- a/radical-atlas-federation.v1.0.pptx
+++ b/radical-atlas-federation.v1.0.pptx
@@ -254,7 +254,7 @@
               <a:pPr>
                 <a:defRPr/>
               </a:pPr>
-              <a:t>5/1/14</a:t>
+              <a:t>5/8/14</a:t>
             </a:fld>
             <a:endParaRPr lang="en-US"/>
           </a:p>
@@ -3916,7 +3916,7 @@
                 <a:latin typeface="Calibri"/>
               </a:rPr>
               <a:pPr/>
-              <a:t>5/1/14</a:t>
+              <a:t>5/8/14</a:t>
             </a:fld>
             <a:endParaRPr lang="en-US">
               <a:solidFill>
@@ -4123,7 +4123,7 @@
                 <a:latin typeface="Calibri"/>
               </a:rPr>
               <a:pPr/>
-              <a:t>5/1/14</a:t>
+              <a:t>5/8/14</a:t>
             </a:fld>
             <a:endParaRPr lang="en-US">
               <a:solidFill>
@@ -4406,7 +4406,7 @@
                 <a:latin typeface="Calibri"/>
               </a:rPr>
               <a:pPr/>
-              <a:t>5/1/14</a:t>
+              <a:t>5/8/14</a:t>
             </a:fld>
             <a:endParaRPr lang="en-US">
               <a:solidFill>
@@ -4731,7 +4731,7 @@
                 <a:latin typeface="Calibri"/>
               </a:rPr>
               <a:pPr/>
-              <a:t>5/1/14</a:t>
+              <a:t>5/8/14</a:t>
             </a:fld>
             <a:endParaRPr lang="en-US">
               <a:solidFill>
@@ -5190,7 +5190,7 @@
                 <a:latin typeface="Calibri"/>
               </a:rPr>
               <a:pPr/>
-              <a:t>5/1/14</a:t>
+              <a:t>5/8/14</a:t>
             </a:fld>
             <a:endParaRPr lang="en-US">
               <a:solidFill>
@@ -5345,7 +5345,7 @@
                 <a:latin typeface="Calibri"/>
               </a:rPr>
               <a:pPr/>
-              <a:t>5/1/14</a:t>
+              <a:t>5/8/14</a:t>
             </a:fld>
             <a:endParaRPr lang="en-US">
               <a:solidFill>
@@ -5477,7 +5477,7 @@
                 <a:latin typeface="Calibri"/>
               </a:rPr>
               <a:pPr/>
-              <a:t>5/1/14</a:t>
+              <a:t>5/8/14</a:t>
             </a:fld>
             <a:endParaRPr lang="en-US">
               <a:solidFill>
@@ -5791,7 +5791,7 @@
                 <a:latin typeface="Calibri"/>
               </a:rPr>
               <a:pPr/>
-              <a:t>5/1/14</a:t>
+              <a:t>5/8/14</a:t>
             </a:fld>
             <a:endParaRPr lang="en-US">
               <a:solidFill>
@@ -6149,7 +6149,7 @@
                 <a:latin typeface="Calibri"/>
               </a:rPr>
               <a:pPr/>
-              <a:t>5/1/14</a:t>
+              <a:t>5/8/14</a:t>
             </a:fld>
             <a:endParaRPr lang="en-US">
               <a:solidFill>
@@ -6356,7 +6356,7 @@
                 <a:latin typeface="Calibri"/>
               </a:rPr>
               <a:pPr/>
-              <a:t>5/1/14</a:t>
+              <a:t>5/8/14</a:t>
             </a:fld>
             <a:endParaRPr lang="en-US">
               <a:solidFill>
@@ -6573,7 +6573,7 @@
                 <a:latin typeface="Calibri"/>
               </a:rPr>
               <a:pPr/>
-              <a:t>5/1/14</a:t>
+              <a:t>5/8/14</a:t>
             </a:fld>
             <a:endParaRPr lang="en-US">
               <a:solidFill>
@@ -9282,7 +9282,7 @@
                   <a:spcPts val="0"/>
                 </a:spcAft>
               </a:pPr>
-              <a:t>5/1/14</a:t>
+              <a:t>5/8/14</a:t>
             </a:fld>
             <a:endParaRPr lang="en-US">
               <a:solidFill>
